--- a/pres-source/06-theory.pptx
+++ b/pres-source/06-theory.pptx
@@ -20,11 +20,11 @@
     <p:sldId id="273" r:id="rId11"/>
     <p:sldId id="269" r:id="rId12"/>
     <p:sldId id="315" r:id="rId13"/>
-    <p:sldId id="275" r:id="rId14"/>
-    <p:sldId id="276" r:id="rId15"/>
-    <p:sldId id="270" r:id="rId16"/>
-    <p:sldId id="312" r:id="rId17"/>
-    <p:sldId id="313" r:id="rId18"/>
+    <p:sldId id="270" r:id="rId14"/>
+    <p:sldId id="312" r:id="rId15"/>
+    <p:sldId id="313" r:id="rId16"/>
+    <p:sldId id="275" r:id="rId17"/>
+    <p:sldId id="276" r:id="rId18"/>
     <p:sldId id="314" r:id="rId19"/>
     <p:sldId id="317" r:id="rId20"/>
     <p:sldId id="277" r:id="rId21"/>
@@ -247,7 +247,7 @@
             <a:fld id="{7307762F-A706-E543-A832-3C298AA3103F}" type="datetimeFigureOut">
               <a:rPr lang="en-US" smtClean="0"/>
               <a:pPr/>
-              <a:t>3/1/19</a:t>
+              <a:t>2/25/20</a:t>
             </a:fld>
             <a:endParaRPr lang="en-US" dirty="0"/>
           </a:p>
@@ -776,7 +776,7 @@
             <a:fld id="{BC39F3E1-B436-EB4D-8332-DAA0486A7B2B}" type="slidenum">
               <a:rPr lang="en-US" smtClean="0"/>
               <a:pPr/>
-              <a:t>16</a:t>
+              <a:t>14</a:t>
             </a:fld>
             <a:endParaRPr lang="en-US" dirty="0"/>
           </a:p>
@@ -864,7 +864,7 @@
             <a:fld id="{BC39F3E1-B436-EB4D-8332-DAA0486A7B2B}" type="slidenum">
               <a:rPr lang="en-US" smtClean="0"/>
               <a:pPr/>
-              <a:t>17</a:t>
+              <a:t>15</a:t>
             </a:fld>
             <a:endParaRPr lang="en-US" dirty="0"/>
           </a:p>
@@ -1059,6 +1059,109 @@
     <p:extLst>
       <p:ext uri="{BB962C8B-B14F-4D97-AF65-F5344CB8AC3E}">
         <p14:creationId xmlns:p14="http://schemas.microsoft.com/office/powerpoint/2010/main" val="1348512117"/>
+      </p:ext>
+    </p:extLst>
+  </p:cSld>
+  <p:clrMapOvr>
+    <a:masterClrMapping/>
+  </p:clrMapOvr>
+</p:notes>
+</file>
+
+<file path=ppt/notesSlides/notesSlide7.xml><?xml version="1.0" encoding="utf-8"?>
+<p:notes xmlns:a="http://schemas.openxmlformats.org/drawingml/2006/main" xmlns:r="http://schemas.openxmlformats.org/officeDocument/2006/relationships" xmlns:p="http://schemas.openxmlformats.org/presentationml/2006/main">
+  <p:cSld>
+    <p:spTree>
+      <p:nvGrpSpPr>
+        <p:cNvPr id="1" name=""/>
+        <p:cNvGrpSpPr/>
+        <p:nvPr/>
+      </p:nvGrpSpPr>
+      <p:grpSpPr>
+        <a:xfrm>
+          <a:off x="0" y="0"/>
+          <a:ext cx="0" cy="0"/>
+          <a:chOff x="0" y="0"/>
+          <a:chExt cx="0" cy="0"/>
+        </a:xfrm>
+      </p:grpSpPr>
+      <p:sp>
+        <p:nvSpPr>
+          <p:cNvPr id="2" name="Slide Image Placeholder 1"/>
+          <p:cNvSpPr>
+            <a:spLocks noGrp="1" noRot="1" noChangeAspect="1"/>
+          </p:cNvSpPr>
+          <p:nvPr>
+            <p:ph type="sldImg"/>
+          </p:nvPr>
+        </p:nvSpPr>
+        <p:spPr/>
+      </p:sp>
+      <p:sp>
+        <p:nvSpPr>
+          <p:cNvPr id="3" name="Notes Placeholder 2"/>
+          <p:cNvSpPr>
+            <a:spLocks noGrp="1"/>
+          </p:cNvSpPr>
+          <p:nvPr>
+            <p:ph type="body" idx="1"/>
+          </p:nvPr>
+        </p:nvSpPr>
+        <p:spPr/>
+        <p:txBody>
+          <a:bodyPr/>
+          <a:lstStyle/>
+          <a:p>
+            <a:r>
+              <a:rPr lang="en-US" dirty="0"/>
+              <a:t>hard quorum e.g.,  all --&gt; write must be made to all nodes </a:t>
+            </a:r>
+            <a:r>
+              <a:rPr lang="en-US" dirty="0">
+                <a:sym typeface="Wingdings" pitchFamily="2" charset="2"/>
+              </a:rPr>
+              <a:t> high consistency, low availability (higher potential latency)</a:t>
+            </a:r>
+          </a:p>
+          <a:p>
+            <a:r>
+              <a:rPr lang="en-US" dirty="0">
+                <a:sym typeface="Wingdings" pitchFamily="2" charset="2"/>
+              </a:rPr>
+              <a:t>easy quorum e.g., any  write must be made to any node -&gt; low consistency, high availability (guaranteed low latency)</a:t>
+            </a:r>
+            <a:endParaRPr lang="en-US" dirty="0"/>
+          </a:p>
+        </p:txBody>
+      </p:sp>
+      <p:sp>
+        <p:nvSpPr>
+          <p:cNvPr id="4" name="Slide Number Placeholder 3"/>
+          <p:cNvSpPr>
+            <a:spLocks noGrp="1"/>
+          </p:cNvSpPr>
+          <p:nvPr>
+            <p:ph type="sldNum" sz="quarter" idx="5"/>
+          </p:nvPr>
+        </p:nvSpPr>
+        <p:spPr/>
+        <p:txBody>
+          <a:bodyPr/>
+          <a:lstStyle/>
+          <a:p>
+            <a:fld id="{BC39F3E1-B436-EB4D-8332-DAA0486A7B2B}" type="slidenum">
+              <a:rPr lang="en-US" smtClean="0"/>
+              <a:pPr/>
+              <a:t>31</a:t>
+            </a:fld>
+            <a:endParaRPr lang="en-US" dirty="0"/>
+          </a:p>
+        </p:txBody>
+      </p:sp>
+    </p:spTree>
+    <p:extLst>
+      <p:ext uri="{BB962C8B-B14F-4D97-AF65-F5344CB8AC3E}">
+        <p14:creationId xmlns:p14="http://schemas.microsoft.com/office/powerpoint/2010/main" val="1259158084"/>
       </p:ext>
     </p:extLst>
   </p:cSld>
@@ -1358,7 +1461,7 @@
           <a:p>
             <a:fld id="{875CF0EB-321F-0749-B37A-89BBA859503C}" type="datetimeFigureOut">
               <a:rPr lang="en-US" smtClean="0"/>
-              <a:t>3/1/19</a:t>
+              <a:t>2/25/20</a:t>
             </a:fld>
             <a:endParaRPr lang="en-US"/>
           </a:p>
@@ -1560,7 +1663,7 @@
           <a:p>
             <a:fld id="{875CF0EB-321F-0749-B37A-89BBA859503C}" type="datetimeFigureOut">
               <a:rPr lang="en-US" smtClean="0"/>
-              <a:t>3/1/19</a:t>
+              <a:t>2/25/20</a:t>
             </a:fld>
             <a:endParaRPr lang="en-US"/>
           </a:p>
@@ -1752,7 +1855,7 @@
           <a:p>
             <a:fld id="{875CF0EB-321F-0749-B37A-89BBA859503C}" type="datetimeFigureOut">
               <a:rPr lang="en-US" smtClean="0"/>
-              <a:t>3/1/19</a:t>
+              <a:t>2/25/20</a:t>
             </a:fld>
             <a:endParaRPr lang="en-US"/>
           </a:p>
@@ -2021,7 +2124,7 @@
           <a:p>
             <a:fld id="{875CF0EB-321F-0749-B37A-89BBA859503C}" type="datetimeFigureOut">
               <a:rPr lang="en-US" smtClean="0"/>
-              <a:t>3/1/19</a:t>
+              <a:t>2/25/20</a:t>
             </a:fld>
             <a:endParaRPr lang="en-US"/>
           </a:p>
@@ -2330,7 +2433,7 @@
           <a:p>
             <a:fld id="{875CF0EB-321F-0749-B37A-89BBA859503C}" type="datetimeFigureOut">
               <a:rPr lang="en-US" smtClean="0"/>
-              <a:t>3/1/19</a:t>
+              <a:t>2/25/20</a:t>
             </a:fld>
             <a:endParaRPr lang="en-US"/>
           </a:p>
@@ -2773,7 +2876,7 @@
           <a:p>
             <a:fld id="{875CF0EB-321F-0749-B37A-89BBA859503C}" type="datetimeFigureOut">
               <a:rPr lang="en-US" smtClean="0"/>
-              <a:t>3/1/19</a:t>
+              <a:t>2/25/20</a:t>
             </a:fld>
             <a:endParaRPr lang="en-US"/>
           </a:p>
@@ -2914,7 +3017,7 @@
           <a:p>
             <a:fld id="{875CF0EB-321F-0749-B37A-89BBA859503C}" type="datetimeFigureOut">
               <a:rPr lang="en-US" smtClean="0"/>
-              <a:t>3/1/19</a:t>
+              <a:t>2/25/20</a:t>
             </a:fld>
             <a:endParaRPr lang="en-US"/>
           </a:p>
@@ -3033,7 +3136,7 @@
           <a:p>
             <a:fld id="{875CF0EB-321F-0749-B37A-89BBA859503C}" type="datetimeFigureOut">
               <a:rPr lang="en-US" smtClean="0"/>
-              <a:t>3/1/19</a:t>
+              <a:t>2/25/20</a:t>
             </a:fld>
             <a:endParaRPr lang="en-US"/>
           </a:p>
@@ -3332,7 +3435,7 @@
           <a:p>
             <a:fld id="{875CF0EB-321F-0749-B37A-89BBA859503C}" type="datetimeFigureOut">
               <a:rPr lang="en-US" smtClean="0"/>
-              <a:t>3/1/19</a:t>
+              <a:t>2/25/20</a:t>
             </a:fld>
             <a:endParaRPr lang="en-US"/>
           </a:p>
@@ -3608,7 +3711,7 @@
           <a:p>
             <a:fld id="{875CF0EB-321F-0749-B37A-89BBA859503C}" type="datetimeFigureOut">
               <a:rPr lang="en-US" smtClean="0"/>
-              <a:t>3/1/19</a:t>
+              <a:t>2/25/20</a:t>
             </a:fld>
             <a:endParaRPr lang="en-US"/>
           </a:p>
@@ -3822,14 +3925,14 @@
           </a:ln>
           <a:extLst>
             <a:ext uri="{909E8E84-426E-40dd-AFC4-6F175D3DCCD1}">
-              <a14:hiddenFill xmlns="" xmlns:a14="http://schemas.microsoft.com/office/drawing/2010/main">
+              <a14:hiddenFill xmlns:a14="http://schemas.microsoft.com/office/drawing/2010/main" xmlns="">
                 <a:solidFill>
                   <a:srgbClr val="FFFFFF"/>
                 </a:solidFill>
               </a14:hiddenFill>
             </a:ext>
             <a:ext uri="{91240B29-F687-4f45-9708-019B960494DF}">
-              <a14:hiddenLine xmlns="" xmlns:a14="http://schemas.microsoft.com/office/drawing/2010/main" w="9525">
+              <a14:hiddenLine xmlns:a14="http://schemas.microsoft.com/office/drawing/2010/main" xmlns="" w="9525">
                 <a:solidFill>
                   <a:srgbClr val="000000"/>
                 </a:solidFill>
@@ -4383,14 +4486,14 @@
           <a:noFill/>
           <a:extLst>
             <a:ext uri="{909E8E84-426E-40dd-AFC4-6F175D3DCCD1}">
-              <a14:hiddenFill xmlns="" xmlns:a14="http://schemas.microsoft.com/office/drawing/2010/main">
+              <a14:hiddenFill xmlns:a14="http://schemas.microsoft.com/office/drawing/2010/main" xmlns="">
                 <a:solidFill>
                   <a:srgbClr val="FFFFFF"/>
                 </a:solidFill>
               </a14:hiddenFill>
             </a:ext>
             <a:ext uri="{91240B29-F687-4f45-9708-019B960494DF}">
-              <a14:hiddenLine xmlns="" xmlns:a14="http://schemas.microsoft.com/office/drawing/2010/main" w="9525">
+              <a14:hiddenLine xmlns:a14="http://schemas.microsoft.com/office/drawing/2010/main" xmlns="" w="9525">
                 <a:solidFill>
                   <a:srgbClr val="000000"/>
                 </a:solidFill>
@@ -4458,14 +4561,14 @@
           <a:noFill/>
           <a:extLst>
             <a:ext uri="{909E8E84-426E-40dd-AFC4-6F175D3DCCD1}">
-              <a14:hiddenFill xmlns="" xmlns:a14="http://schemas.microsoft.com/office/drawing/2010/main">
+              <a14:hiddenFill xmlns:a14="http://schemas.microsoft.com/office/drawing/2010/main" xmlns="">
                 <a:solidFill>
                   <a:srgbClr val="FFFFFF"/>
                 </a:solidFill>
               </a14:hiddenFill>
             </a:ext>
             <a:ext uri="{91240B29-F687-4f45-9708-019B960494DF}">
-              <a14:hiddenLine xmlns="" xmlns:a14="http://schemas.microsoft.com/office/drawing/2010/main" w="9525">
+              <a14:hiddenLine xmlns:a14="http://schemas.microsoft.com/office/drawing/2010/main" xmlns="" w="9525">
                 <a:solidFill>
                   <a:srgbClr val="000000"/>
                 </a:solidFill>
@@ -4501,7 +4604,7 @@
                 <a:ea typeface="ヒラギノ角ゴ ProN W3" charset="0"/>
                 <a:cs typeface="ヒラギノ角ゴ ProN W3" charset="0"/>
               </a:rPr>
-              <a:t>March 2019</a:t>
+              <a:t>March 2020</a:t>
             </a:r>
           </a:p>
         </p:txBody>
@@ -4591,7 +4694,7 @@
             <a:pPr lvl="1"/>
             <a:r>
               <a:rPr lang="en-US" dirty="0"/>
-              <a:t>30 miles in you have spent one hour</a:t>
+              <a:t>30 miles in, you have taken one hour</a:t>
             </a:r>
           </a:p>
           <a:p>
@@ -5113,756 +5216,6 @@
 </file>
 
 <file path=ppt/slides/slide13.xml><?xml version="1.0" encoding="utf-8"?>
-<p:sld xmlns:a="http://schemas.openxmlformats.org/drawingml/2006/main" xmlns:r="http://schemas.openxmlformats.org/officeDocument/2006/relationships" xmlns:p="http://schemas.openxmlformats.org/presentationml/2006/main">
-  <p:cSld>
-    <p:spTree>
-      <p:nvGrpSpPr>
-        <p:cNvPr id="1" name=""/>
-        <p:cNvGrpSpPr/>
-        <p:nvPr/>
-      </p:nvGrpSpPr>
-      <p:grpSpPr>
-        <a:xfrm>
-          <a:off x="0" y="0"/>
-          <a:ext cx="0" cy="0"/>
-          <a:chOff x="0" y="0"/>
-          <a:chExt cx="0" cy="0"/>
-        </a:xfrm>
-      </p:grpSpPr>
-      <p:sp>
-        <p:nvSpPr>
-          <p:cNvPr id="2" name="Title 1"/>
-          <p:cNvSpPr>
-            <a:spLocks noGrp="1"/>
-          </p:cNvSpPr>
-          <p:nvPr>
-            <p:ph type="title"/>
-          </p:nvPr>
-        </p:nvSpPr>
-        <p:spPr/>
-        <p:txBody>
-          <a:bodyPr/>
-          <a:lstStyle/>
-          <a:p>
-            <a:r>
-              <a:rPr lang="en-US" dirty="0"/>
-              <a:t>Shared Nothing Architecture</a:t>
-            </a:r>
-          </a:p>
-        </p:txBody>
-      </p:sp>
-      <p:pic>
-        <p:nvPicPr>
-          <p:cNvPr id="4" name="Picture 3"/>
-          <p:cNvPicPr>
-            <a:picLocks noChangeAspect="1"/>
-          </p:cNvPicPr>
-          <p:nvPr/>
-        </p:nvPicPr>
-        <p:blipFill>
-          <a:blip r:embed="rId2"/>
-          <a:stretch>
-            <a:fillRect/>
-          </a:stretch>
-        </p:blipFill>
-        <p:spPr>
-          <a:xfrm>
-            <a:off x="3521966" y="1417638"/>
-            <a:ext cx="1164361" cy="1164361"/>
-          </a:xfrm>
-          <a:prstGeom prst="rect">
-            <a:avLst/>
-          </a:prstGeom>
-        </p:spPr>
-      </p:pic>
-      <p:pic>
-        <p:nvPicPr>
-          <p:cNvPr id="7" name="Picture 6"/>
-          <p:cNvPicPr>
-            <a:picLocks noChangeAspect="1"/>
-          </p:cNvPicPr>
-          <p:nvPr/>
-        </p:nvPicPr>
-        <p:blipFill>
-          <a:blip r:embed="rId3"/>
-          <a:stretch>
-            <a:fillRect/>
-          </a:stretch>
-        </p:blipFill>
-        <p:spPr>
-          <a:xfrm>
-            <a:off x="6034418" y="1425501"/>
-            <a:ext cx="1502860" cy="1156498"/>
-          </a:xfrm>
-          <a:prstGeom prst="rect">
-            <a:avLst/>
-          </a:prstGeom>
-        </p:spPr>
-      </p:pic>
-      <p:pic>
-        <p:nvPicPr>
-          <p:cNvPr id="8" name="Picture 7"/>
-          <p:cNvPicPr>
-            <a:picLocks noChangeAspect="1"/>
-          </p:cNvPicPr>
-          <p:nvPr/>
-        </p:nvPicPr>
-        <p:blipFill>
-          <a:blip r:embed="rId2"/>
-          <a:stretch>
-            <a:fillRect/>
-          </a:stretch>
-        </p:blipFill>
-        <p:spPr>
-          <a:xfrm>
-            <a:off x="3521966" y="2979670"/>
-            <a:ext cx="1164361" cy="1164361"/>
-          </a:xfrm>
-          <a:prstGeom prst="rect">
-            <a:avLst/>
-          </a:prstGeom>
-        </p:spPr>
-      </p:pic>
-      <p:pic>
-        <p:nvPicPr>
-          <p:cNvPr id="9" name="Picture 8"/>
-          <p:cNvPicPr>
-            <a:picLocks noChangeAspect="1"/>
-          </p:cNvPicPr>
-          <p:nvPr/>
-        </p:nvPicPr>
-        <p:blipFill>
-          <a:blip r:embed="rId3"/>
-          <a:stretch>
-            <a:fillRect/>
-          </a:stretch>
-        </p:blipFill>
-        <p:spPr>
-          <a:xfrm>
-            <a:off x="6034418" y="2987533"/>
-            <a:ext cx="1502860" cy="1156498"/>
-          </a:xfrm>
-          <a:prstGeom prst="rect">
-            <a:avLst/>
-          </a:prstGeom>
-        </p:spPr>
-      </p:pic>
-      <p:pic>
-        <p:nvPicPr>
-          <p:cNvPr id="10" name="Picture 9"/>
-          <p:cNvPicPr>
-            <a:picLocks noChangeAspect="1"/>
-          </p:cNvPicPr>
-          <p:nvPr/>
-        </p:nvPicPr>
-        <p:blipFill>
-          <a:blip r:embed="rId2"/>
-          <a:stretch>
-            <a:fillRect/>
-          </a:stretch>
-        </p:blipFill>
-        <p:spPr>
-          <a:xfrm>
-            <a:off x="3521966" y="4541702"/>
-            <a:ext cx="1164361" cy="1164361"/>
-          </a:xfrm>
-          <a:prstGeom prst="rect">
-            <a:avLst/>
-          </a:prstGeom>
-        </p:spPr>
-      </p:pic>
-      <p:pic>
-        <p:nvPicPr>
-          <p:cNvPr id="11" name="Picture 10"/>
-          <p:cNvPicPr>
-            <a:picLocks noChangeAspect="1"/>
-          </p:cNvPicPr>
-          <p:nvPr/>
-        </p:nvPicPr>
-        <p:blipFill>
-          <a:blip r:embed="rId3"/>
-          <a:stretch>
-            <a:fillRect/>
-          </a:stretch>
-        </p:blipFill>
-        <p:spPr>
-          <a:xfrm>
-            <a:off x="6034418" y="4549565"/>
-            <a:ext cx="1502860" cy="1156498"/>
-          </a:xfrm>
-          <a:prstGeom prst="rect">
-            <a:avLst/>
-          </a:prstGeom>
-        </p:spPr>
-      </p:pic>
-      <p:cxnSp>
-        <p:nvCxnSpPr>
-          <p:cNvPr id="13" name="Straight Arrow Connector 12"/>
-          <p:cNvCxnSpPr>
-            <a:stCxn id="4" idx="3"/>
-            <a:endCxn id="7" idx="1"/>
-          </p:cNvCxnSpPr>
-          <p:nvPr/>
-        </p:nvCxnSpPr>
-        <p:spPr>
-          <a:xfrm>
-            <a:off x="4686327" y="1999819"/>
-            <a:ext cx="1348091" cy="3931"/>
-          </a:xfrm>
-          <a:prstGeom prst="straightConnector1">
-            <a:avLst/>
-          </a:prstGeom>
-          <a:ln>
-            <a:tailEnd type="arrow"/>
-          </a:ln>
-        </p:spPr>
-        <p:style>
-          <a:lnRef idx="2">
-            <a:schemeClr val="accent1"/>
-          </a:lnRef>
-          <a:fillRef idx="0">
-            <a:schemeClr val="accent1"/>
-          </a:fillRef>
-          <a:effectRef idx="1">
-            <a:schemeClr val="accent1"/>
-          </a:effectRef>
-          <a:fontRef idx="minor">
-            <a:schemeClr val="tx1"/>
-          </a:fontRef>
-        </p:style>
-      </p:cxnSp>
-      <p:cxnSp>
-        <p:nvCxnSpPr>
-          <p:cNvPr id="14" name="Straight Arrow Connector 13"/>
-          <p:cNvCxnSpPr/>
-          <p:nvPr/>
-        </p:nvCxnSpPr>
-        <p:spPr>
-          <a:xfrm>
-            <a:off x="4686327" y="3617679"/>
-            <a:ext cx="1348091" cy="3931"/>
-          </a:xfrm>
-          <a:prstGeom prst="straightConnector1">
-            <a:avLst/>
-          </a:prstGeom>
-          <a:ln>
-            <a:tailEnd type="arrow"/>
-          </a:ln>
-        </p:spPr>
-        <p:style>
-          <a:lnRef idx="2">
-            <a:schemeClr val="accent1"/>
-          </a:lnRef>
-          <a:fillRef idx="0">
-            <a:schemeClr val="accent1"/>
-          </a:fillRef>
-          <a:effectRef idx="1">
-            <a:schemeClr val="accent1"/>
-          </a:effectRef>
-          <a:fontRef idx="minor">
-            <a:schemeClr val="tx1"/>
-          </a:fontRef>
-        </p:style>
-      </p:cxnSp>
-      <p:cxnSp>
-        <p:nvCxnSpPr>
-          <p:cNvPr id="15" name="Straight Arrow Connector 14"/>
-          <p:cNvCxnSpPr/>
-          <p:nvPr/>
-        </p:nvCxnSpPr>
-        <p:spPr>
-          <a:xfrm>
-            <a:off x="4686327" y="5109928"/>
-            <a:ext cx="1348091" cy="3931"/>
-          </a:xfrm>
-          <a:prstGeom prst="straightConnector1">
-            <a:avLst/>
-          </a:prstGeom>
-          <a:ln>
-            <a:tailEnd type="arrow"/>
-          </a:ln>
-        </p:spPr>
-        <p:style>
-          <a:lnRef idx="2">
-            <a:schemeClr val="accent1"/>
-          </a:lnRef>
-          <a:fillRef idx="0">
-            <a:schemeClr val="accent1"/>
-          </a:fillRef>
-          <a:effectRef idx="1">
-            <a:schemeClr val="accent1"/>
-          </a:effectRef>
-          <a:fontRef idx="minor">
-            <a:schemeClr val="tx1"/>
-          </a:fontRef>
-        </p:style>
-      </p:cxnSp>
-      <p:pic>
-        <p:nvPicPr>
-          <p:cNvPr id="16" name="Picture 15"/>
-          <p:cNvPicPr>
-            <a:picLocks noChangeAspect="1"/>
-          </p:cNvPicPr>
-          <p:nvPr/>
-        </p:nvPicPr>
-        <p:blipFill>
-          <a:blip r:embed="rId2"/>
-          <a:stretch>
-            <a:fillRect/>
-          </a:stretch>
-        </p:blipFill>
-        <p:spPr>
-          <a:xfrm>
-            <a:off x="1148515" y="2979670"/>
-            <a:ext cx="1164361" cy="1164361"/>
-          </a:xfrm>
-          <a:prstGeom prst="rect">
-            <a:avLst/>
-          </a:prstGeom>
-        </p:spPr>
-      </p:pic>
-      <p:cxnSp>
-        <p:nvCxnSpPr>
-          <p:cNvPr id="18" name="Elbow Connector 17"/>
-          <p:cNvCxnSpPr>
-            <a:stCxn id="16" idx="3"/>
-            <a:endCxn id="4" idx="1"/>
-          </p:cNvCxnSpPr>
-          <p:nvPr/>
-        </p:nvCxnSpPr>
-        <p:spPr>
-          <a:xfrm flipV="1">
-            <a:off x="2312876" y="1999819"/>
-            <a:ext cx="1209090" cy="1562032"/>
-          </a:xfrm>
-          <a:prstGeom prst="bentConnector3">
-            <a:avLst/>
-          </a:prstGeom>
-          <a:ln>
-            <a:tailEnd type="arrow"/>
-          </a:ln>
-        </p:spPr>
-        <p:style>
-          <a:lnRef idx="2">
-            <a:schemeClr val="accent1"/>
-          </a:lnRef>
-          <a:fillRef idx="0">
-            <a:schemeClr val="accent1"/>
-          </a:fillRef>
-          <a:effectRef idx="1">
-            <a:schemeClr val="accent1"/>
-          </a:effectRef>
-          <a:fontRef idx="minor">
-            <a:schemeClr val="tx1"/>
-          </a:fontRef>
-        </p:style>
-      </p:cxnSp>
-      <p:cxnSp>
-        <p:nvCxnSpPr>
-          <p:cNvPr id="19" name="Elbow Connector 18"/>
-          <p:cNvCxnSpPr>
-            <a:stCxn id="16" idx="3"/>
-            <a:endCxn id="8" idx="1"/>
-          </p:cNvCxnSpPr>
-          <p:nvPr/>
-        </p:nvCxnSpPr>
-        <p:spPr>
-          <a:xfrm>
-            <a:off x="2312876" y="3561851"/>
-            <a:ext cx="1209090" cy="12700"/>
-          </a:xfrm>
-          <a:prstGeom prst="bentConnector3">
-            <a:avLst>
-              <a:gd name="adj1" fmla="val 50000"/>
-            </a:avLst>
-          </a:prstGeom>
-          <a:ln>
-            <a:tailEnd type="arrow"/>
-          </a:ln>
-        </p:spPr>
-        <p:style>
-          <a:lnRef idx="2">
-            <a:schemeClr val="accent1"/>
-          </a:lnRef>
-          <a:fillRef idx="0">
-            <a:schemeClr val="accent1"/>
-          </a:fillRef>
-          <a:effectRef idx="1">
-            <a:schemeClr val="accent1"/>
-          </a:effectRef>
-          <a:fontRef idx="minor">
-            <a:schemeClr val="tx1"/>
-          </a:fontRef>
-        </p:style>
-      </p:cxnSp>
-      <p:cxnSp>
-        <p:nvCxnSpPr>
-          <p:cNvPr id="22" name="Elbow Connector 21"/>
-          <p:cNvCxnSpPr>
-            <a:stCxn id="16" idx="3"/>
-            <a:endCxn id="10" idx="1"/>
-          </p:cNvCxnSpPr>
-          <p:nvPr/>
-        </p:nvCxnSpPr>
-        <p:spPr>
-          <a:xfrm>
-            <a:off x="2312876" y="3561851"/>
-            <a:ext cx="1209090" cy="1562032"/>
-          </a:xfrm>
-          <a:prstGeom prst="bentConnector3">
-            <a:avLst>
-              <a:gd name="adj1" fmla="val 50000"/>
-            </a:avLst>
-          </a:prstGeom>
-          <a:ln>
-            <a:tailEnd type="arrow"/>
-          </a:ln>
-        </p:spPr>
-        <p:style>
-          <a:lnRef idx="2">
-            <a:schemeClr val="accent1"/>
-          </a:lnRef>
-          <a:fillRef idx="0">
-            <a:schemeClr val="accent1"/>
-          </a:fillRef>
-          <a:effectRef idx="1">
-            <a:schemeClr val="accent1"/>
-          </a:effectRef>
-          <a:fontRef idx="minor">
-            <a:schemeClr val="tx1"/>
-          </a:fontRef>
-        </p:style>
-      </p:cxnSp>
-      <p:sp>
-        <p:nvSpPr>
-          <p:cNvPr id="30" name="TextBox 29"/>
-          <p:cNvSpPr txBox="1"/>
-          <p:nvPr/>
-        </p:nvSpPr>
-        <p:spPr>
-          <a:xfrm>
-            <a:off x="995010" y="4197755"/>
-            <a:ext cx="1501358" cy="369332"/>
-          </a:xfrm>
-          <a:prstGeom prst="rect">
-            <a:avLst/>
-          </a:prstGeom>
-          <a:noFill/>
-        </p:spPr>
-        <p:txBody>
-          <a:bodyPr wrap="none" rtlCol="0">
-            <a:spAutoFit/>
-          </a:bodyPr>
-          <a:lstStyle/>
-          <a:p>
-            <a:r>
-              <a:rPr lang="en-US" dirty="0"/>
-              <a:t>Load Balancer</a:t>
-            </a:r>
-          </a:p>
-        </p:txBody>
-      </p:sp>
-      <p:sp>
-        <p:nvSpPr>
-          <p:cNvPr id="31" name="TextBox 30"/>
-          <p:cNvSpPr txBox="1"/>
-          <p:nvPr/>
-        </p:nvSpPr>
-        <p:spPr>
-          <a:xfrm>
-            <a:off x="3787859" y="2577647"/>
-            <a:ext cx="787395" cy="369332"/>
-          </a:xfrm>
-          <a:prstGeom prst="rect">
-            <a:avLst/>
-          </a:prstGeom>
-          <a:noFill/>
-        </p:spPr>
-        <p:txBody>
-          <a:bodyPr wrap="none" rtlCol="0">
-            <a:spAutoFit/>
-          </a:bodyPr>
-          <a:lstStyle/>
-          <a:p>
-            <a:r>
-              <a:rPr lang="en-US" dirty="0"/>
-              <a:t>Server</a:t>
-            </a:r>
-          </a:p>
-        </p:txBody>
-      </p:sp>
-      <p:sp>
-        <p:nvSpPr>
-          <p:cNvPr id="32" name="TextBox 31"/>
-          <p:cNvSpPr txBox="1"/>
-          <p:nvPr/>
-        </p:nvSpPr>
-        <p:spPr>
-          <a:xfrm>
-            <a:off x="6399293" y="2577647"/>
-            <a:ext cx="574872" cy="369332"/>
-          </a:xfrm>
-          <a:prstGeom prst="rect">
-            <a:avLst/>
-          </a:prstGeom>
-          <a:noFill/>
-        </p:spPr>
-        <p:txBody>
-          <a:bodyPr wrap="none" rtlCol="0">
-            <a:spAutoFit/>
-          </a:bodyPr>
-          <a:lstStyle/>
-          <a:p>
-            <a:r>
-              <a:rPr lang="en-US" dirty="0"/>
-              <a:t>Disk</a:t>
-            </a:r>
-          </a:p>
-        </p:txBody>
-      </p:sp>
-      <p:sp>
-        <p:nvSpPr>
-          <p:cNvPr id="35" name="TextBox 34"/>
-          <p:cNvSpPr txBox="1"/>
-          <p:nvPr/>
-        </p:nvSpPr>
-        <p:spPr>
-          <a:xfrm>
-            <a:off x="3785880" y="4144031"/>
-            <a:ext cx="787395" cy="369332"/>
-          </a:xfrm>
-          <a:prstGeom prst="rect">
-            <a:avLst/>
-          </a:prstGeom>
-          <a:noFill/>
-        </p:spPr>
-        <p:txBody>
-          <a:bodyPr wrap="none" rtlCol="0">
-            <a:spAutoFit/>
-          </a:bodyPr>
-          <a:lstStyle/>
-          <a:p>
-            <a:r>
-              <a:rPr lang="en-US" dirty="0"/>
-              <a:t>Server</a:t>
-            </a:r>
-          </a:p>
-        </p:txBody>
-      </p:sp>
-      <p:sp>
-        <p:nvSpPr>
-          <p:cNvPr id="36" name="TextBox 35"/>
-          <p:cNvSpPr txBox="1"/>
-          <p:nvPr/>
-        </p:nvSpPr>
-        <p:spPr>
-          <a:xfrm>
-            <a:off x="6397314" y="4144031"/>
-            <a:ext cx="574872" cy="369332"/>
-          </a:xfrm>
-          <a:prstGeom prst="rect">
-            <a:avLst/>
-          </a:prstGeom>
-          <a:noFill/>
-        </p:spPr>
-        <p:txBody>
-          <a:bodyPr wrap="none" rtlCol="0">
-            <a:spAutoFit/>
-          </a:bodyPr>
-          <a:lstStyle/>
-          <a:p>
-            <a:r>
-              <a:rPr lang="en-US" dirty="0"/>
-              <a:t>Disk</a:t>
-            </a:r>
-          </a:p>
-        </p:txBody>
-      </p:sp>
-      <p:sp>
-        <p:nvSpPr>
-          <p:cNvPr id="37" name="TextBox 36"/>
-          <p:cNvSpPr txBox="1"/>
-          <p:nvPr/>
-        </p:nvSpPr>
-        <p:spPr>
-          <a:xfrm>
-            <a:off x="3783901" y="5710415"/>
-            <a:ext cx="787395" cy="369332"/>
-          </a:xfrm>
-          <a:prstGeom prst="rect">
-            <a:avLst/>
-          </a:prstGeom>
-          <a:noFill/>
-        </p:spPr>
-        <p:txBody>
-          <a:bodyPr wrap="none" rtlCol="0">
-            <a:spAutoFit/>
-          </a:bodyPr>
-          <a:lstStyle/>
-          <a:p>
-            <a:r>
-              <a:rPr lang="en-US" dirty="0"/>
-              <a:t>Server</a:t>
-            </a:r>
-          </a:p>
-        </p:txBody>
-      </p:sp>
-      <p:sp>
-        <p:nvSpPr>
-          <p:cNvPr id="38" name="TextBox 37"/>
-          <p:cNvSpPr txBox="1"/>
-          <p:nvPr/>
-        </p:nvSpPr>
-        <p:spPr>
-          <a:xfrm>
-            <a:off x="6395335" y="5710415"/>
-            <a:ext cx="574872" cy="369332"/>
-          </a:xfrm>
-          <a:prstGeom prst="rect">
-            <a:avLst/>
-          </a:prstGeom>
-          <a:noFill/>
-        </p:spPr>
-        <p:txBody>
-          <a:bodyPr wrap="none" rtlCol="0">
-            <a:spAutoFit/>
-          </a:bodyPr>
-          <a:lstStyle/>
-          <a:p>
-            <a:r>
-              <a:rPr lang="en-US" dirty="0"/>
-              <a:t>Disk</a:t>
-            </a:r>
-          </a:p>
-        </p:txBody>
-      </p:sp>
-    </p:spTree>
-    <p:extLst>
-      <p:ext uri="{BB962C8B-B14F-4D97-AF65-F5344CB8AC3E}">
-        <p14:creationId xmlns:p14="http://schemas.microsoft.com/office/powerpoint/2010/main" val="3424776501"/>
-      </p:ext>
-    </p:extLst>
-  </p:cSld>
-  <p:clrMapOvr>
-    <a:masterClrMapping/>
-  </p:clrMapOvr>
-</p:sld>
-</file>
-
-<file path=ppt/slides/slide14.xml><?xml version="1.0" encoding="utf-8"?>
-<p:sld xmlns:a="http://schemas.openxmlformats.org/drawingml/2006/main" xmlns:r="http://schemas.openxmlformats.org/officeDocument/2006/relationships" xmlns:p="http://schemas.openxmlformats.org/presentationml/2006/main">
-  <p:cSld>
-    <p:spTree>
-      <p:nvGrpSpPr>
-        <p:cNvPr id="1" name=""/>
-        <p:cNvGrpSpPr/>
-        <p:nvPr/>
-      </p:nvGrpSpPr>
-      <p:grpSpPr>
-        <a:xfrm>
-          <a:off x="0" y="0"/>
-          <a:ext cx="0" cy="0"/>
-          <a:chOff x="0" y="0"/>
-          <a:chExt cx="0" cy="0"/>
-        </a:xfrm>
-      </p:grpSpPr>
-      <p:sp>
-        <p:nvSpPr>
-          <p:cNvPr id="2" name="Title 1"/>
-          <p:cNvSpPr>
-            <a:spLocks noGrp="1"/>
-          </p:cNvSpPr>
-          <p:nvPr>
-            <p:ph type="title"/>
-          </p:nvPr>
-        </p:nvSpPr>
-        <p:spPr/>
-        <p:txBody>
-          <a:bodyPr/>
-          <a:lstStyle/>
-          <a:p>
-            <a:r>
-              <a:rPr lang="en-US" dirty="0"/>
-              <a:t>Shared Nothing Architecture</a:t>
-            </a:r>
-          </a:p>
-        </p:txBody>
-      </p:sp>
-      <p:sp>
-        <p:nvSpPr>
-          <p:cNvPr id="3" name="Content Placeholder 2"/>
-          <p:cNvSpPr>
-            <a:spLocks noGrp="1"/>
-          </p:cNvSpPr>
-          <p:nvPr>
-            <p:ph idx="1"/>
-          </p:nvPr>
-        </p:nvSpPr>
-        <p:spPr/>
-        <p:txBody>
-          <a:bodyPr/>
-          <a:lstStyle/>
-          <a:p>
-            <a:r>
-              <a:rPr lang="en-US" dirty="0"/>
-              <a:t>Implies there is no serial part to the computation</a:t>
-            </a:r>
-          </a:p>
-          <a:p>
-            <a:r>
-              <a:rPr lang="en-US" dirty="0"/>
-              <a:t>Karp-</a:t>
-            </a:r>
-            <a:r>
-              <a:rPr lang="en-US" dirty="0" err="1"/>
-              <a:t>Flatt</a:t>
-            </a:r>
-            <a:r>
-              <a:rPr lang="en-US" dirty="0"/>
-              <a:t> Metric of 0 </a:t>
-            </a:r>
-          </a:p>
-          <a:p>
-            <a:pPr lvl="1"/>
-            <a:r>
-              <a:rPr lang="en-US" dirty="0"/>
-              <a:t>Assuming 100% efficient load balancing</a:t>
-            </a:r>
-          </a:p>
-          <a:p>
-            <a:r>
-              <a:rPr lang="en-US" dirty="0"/>
-              <a:t>In practice, this is difficult!</a:t>
-            </a:r>
-          </a:p>
-          <a:p>
-            <a:pPr marL="457200" lvl="1" indent="0">
-              <a:buNone/>
-            </a:pPr>
-            <a:endParaRPr lang="en-US" dirty="0"/>
-          </a:p>
-          <a:p>
-            <a:pPr marL="457200" lvl="1" indent="0">
-              <a:buNone/>
-            </a:pPr>
-            <a:endParaRPr lang="en-US" dirty="0"/>
-          </a:p>
-        </p:txBody>
-      </p:sp>
-    </p:spTree>
-    <p:extLst>
-      <p:ext uri="{BB962C8B-B14F-4D97-AF65-F5344CB8AC3E}">
-        <p14:creationId xmlns:p14="http://schemas.microsoft.com/office/powerpoint/2010/main" val="2221130247"/>
-      </p:ext>
-    </p:extLst>
-  </p:cSld>
-  <p:clrMapOvr>
-    <a:masterClrMapping/>
-  </p:clrMapOvr>
-</p:sld>
-</file>
-
-<file path=ppt/slides/slide15.xml><?xml version="1.0" encoding="utf-8"?>
 <p:sld xmlns:a="http://schemas.openxmlformats.org/drawingml/2006/main" xmlns:r="http://schemas.openxmlformats.org/officeDocument/2006/relationships" xmlns:p="http://schemas.openxmlformats.org/presentationml/2006/main">
   <p:cSld>
     <p:spTree>
@@ -6389,6 +5742,158 @@
 </p:sld>
 </file>
 
+<file path=ppt/slides/slide14.xml><?xml version="1.0" encoding="utf-8"?>
+<p:sld xmlns:a="http://schemas.openxmlformats.org/drawingml/2006/main" xmlns:r="http://schemas.openxmlformats.org/officeDocument/2006/relationships" xmlns:p="http://schemas.openxmlformats.org/presentationml/2006/main">
+  <p:cSld>
+    <p:spTree>
+      <p:nvGrpSpPr>
+        <p:cNvPr id="1" name=""/>
+        <p:cNvGrpSpPr/>
+        <p:nvPr/>
+      </p:nvGrpSpPr>
+      <p:grpSpPr>
+        <a:xfrm>
+          <a:off x="0" y="0"/>
+          <a:ext cx="0" cy="0"/>
+          <a:chOff x="0" y="0"/>
+          <a:chExt cx="0" cy="0"/>
+        </a:xfrm>
+      </p:grpSpPr>
+      <p:sp>
+        <p:nvSpPr>
+          <p:cNvPr id="2" name="Title 1"/>
+          <p:cNvSpPr>
+            <a:spLocks noGrp="1"/>
+          </p:cNvSpPr>
+          <p:nvPr>
+            <p:ph type="title"/>
+          </p:nvPr>
+        </p:nvSpPr>
+        <p:spPr/>
+        <p:txBody>
+          <a:bodyPr/>
+          <a:lstStyle/>
+          <a:p>
+            <a:r>
+              <a:rPr lang="en-US" dirty="0"/>
+              <a:t>Warning</a:t>
+            </a:r>
+          </a:p>
+        </p:txBody>
+      </p:sp>
+      <p:pic>
+        <p:nvPicPr>
+          <p:cNvPr id="5" name="Picture 4"/>
+          <p:cNvPicPr>
+            <a:picLocks noChangeAspect="1"/>
+          </p:cNvPicPr>
+          <p:nvPr/>
+        </p:nvPicPr>
+        <p:blipFill>
+          <a:blip r:embed="rId3"/>
+          <a:stretch>
+            <a:fillRect/>
+          </a:stretch>
+        </p:blipFill>
+        <p:spPr>
+          <a:xfrm>
+            <a:off x="2159000" y="1231900"/>
+            <a:ext cx="4813300" cy="4381500"/>
+          </a:xfrm>
+          <a:prstGeom prst="rect">
+            <a:avLst/>
+          </a:prstGeom>
+        </p:spPr>
+      </p:pic>
+    </p:spTree>
+    <p:extLst>
+      <p:ext uri="{BB962C8B-B14F-4D97-AF65-F5344CB8AC3E}">
+        <p14:creationId xmlns:p14="http://schemas.microsoft.com/office/powerpoint/2010/main" val="529412936"/>
+      </p:ext>
+    </p:extLst>
+  </p:cSld>
+  <p:clrMapOvr>
+    <a:masterClrMapping/>
+  </p:clrMapOvr>
+</p:sld>
+</file>
+
+<file path=ppt/slides/slide15.xml><?xml version="1.0" encoding="utf-8"?>
+<p:sld xmlns:a="http://schemas.openxmlformats.org/drawingml/2006/main" xmlns:r="http://schemas.openxmlformats.org/officeDocument/2006/relationships" xmlns:p="http://schemas.openxmlformats.org/presentationml/2006/main">
+  <p:cSld>
+    <p:spTree>
+      <p:nvGrpSpPr>
+        <p:cNvPr id="1" name=""/>
+        <p:cNvGrpSpPr/>
+        <p:nvPr/>
+      </p:nvGrpSpPr>
+      <p:grpSpPr>
+        <a:xfrm>
+          <a:off x="0" y="0"/>
+          <a:ext cx="0" cy="0"/>
+          <a:chOff x="0" y="0"/>
+          <a:chExt cx="0" cy="0"/>
+        </a:xfrm>
+      </p:grpSpPr>
+      <p:sp>
+        <p:nvSpPr>
+          <p:cNvPr id="2" name="Title 1"/>
+          <p:cNvSpPr>
+            <a:spLocks noGrp="1"/>
+          </p:cNvSpPr>
+          <p:nvPr>
+            <p:ph type="title"/>
+          </p:nvPr>
+        </p:nvSpPr>
+        <p:spPr/>
+        <p:txBody>
+          <a:bodyPr/>
+          <a:lstStyle/>
+          <a:p>
+            <a:r>
+              <a:rPr lang="en-US" dirty="0"/>
+              <a:t>Same systems, new diagram</a:t>
+            </a:r>
+          </a:p>
+        </p:txBody>
+      </p:sp>
+      <p:pic>
+        <p:nvPicPr>
+          <p:cNvPr id="5" name="Picture 4"/>
+          <p:cNvPicPr>
+            <a:picLocks noChangeAspect="1"/>
+          </p:cNvPicPr>
+          <p:nvPr/>
+        </p:nvPicPr>
+        <p:blipFill>
+          <a:blip r:embed="rId3"/>
+          <a:stretch>
+            <a:fillRect/>
+          </a:stretch>
+        </p:blipFill>
+        <p:spPr>
+          <a:xfrm>
+            <a:off x="2095500" y="1358900"/>
+            <a:ext cx="4953000" cy="4127500"/>
+          </a:xfrm>
+          <a:prstGeom prst="rect">
+            <a:avLst/>
+          </a:prstGeom>
+        </p:spPr>
+      </p:pic>
+    </p:spTree>
+    <p:extLst>
+      <p:ext uri="{BB962C8B-B14F-4D97-AF65-F5344CB8AC3E}">
+        <p14:creationId xmlns:p14="http://schemas.microsoft.com/office/powerpoint/2010/main" val="2561551645"/>
+      </p:ext>
+    </p:extLst>
+  </p:cSld>
+  <p:clrMapOvr>
+    <a:masterClrMapping/>
+  </p:clrMapOvr>
+</p:sld>
+</file>
+
 <file path=ppt/slides/slide16.xml><?xml version="1.0" encoding="utf-8"?>
 <p:sld xmlns:a="http://schemas.openxmlformats.org/drawingml/2006/main" xmlns:r="http://schemas.openxmlformats.org/officeDocument/2006/relationships" xmlns:p="http://schemas.openxmlformats.org/presentationml/2006/main">
   <p:cSld>
@@ -6423,14 +5928,38 @@
           <a:p>
             <a:r>
               <a:rPr lang="en-US" dirty="0"/>
-              <a:t>Warning</a:t>
+              <a:t>Shared Nothing Architecture</a:t>
             </a:r>
           </a:p>
         </p:txBody>
       </p:sp>
       <p:pic>
         <p:nvPicPr>
-          <p:cNvPr id="5" name="Picture 4"/>
+          <p:cNvPr id="4" name="Picture 3"/>
+          <p:cNvPicPr>
+            <a:picLocks noChangeAspect="1"/>
+          </p:cNvPicPr>
+          <p:nvPr/>
+        </p:nvPicPr>
+        <p:blipFill>
+          <a:blip r:embed="rId2"/>
+          <a:stretch>
+            <a:fillRect/>
+          </a:stretch>
+        </p:blipFill>
+        <p:spPr>
+          <a:xfrm>
+            <a:off x="3521966" y="1417638"/>
+            <a:ext cx="1164361" cy="1164361"/>
+          </a:xfrm>
+          <a:prstGeom prst="rect">
+            <a:avLst/>
+          </a:prstGeom>
+        </p:spPr>
+      </p:pic>
+      <p:pic>
+        <p:nvPicPr>
+          <p:cNvPr id="7" name="Picture 6"/>
           <p:cNvPicPr>
             <a:picLocks noChangeAspect="1"/>
           </p:cNvPicPr>
@@ -6444,18 +5973,555 @@
         </p:blipFill>
         <p:spPr>
           <a:xfrm>
-            <a:off x="2159000" y="1231900"/>
-            <a:ext cx="4813300" cy="4381500"/>
+            <a:off x="6034418" y="1425501"/>
+            <a:ext cx="1502860" cy="1156498"/>
           </a:xfrm>
           <a:prstGeom prst="rect">
             <a:avLst/>
           </a:prstGeom>
         </p:spPr>
       </p:pic>
+      <p:pic>
+        <p:nvPicPr>
+          <p:cNvPr id="8" name="Picture 7"/>
+          <p:cNvPicPr>
+            <a:picLocks noChangeAspect="1"/>
+          </p:cNvPicPr>
+          <p:nvPr/>
+        </p:nvPicPr>
+        <p:blipFill>
+          <a:blip r:embed="rId2"/>
+          <a:stretch>
+            <a:fillRect/>
+          </a:stretch>
+        </p:blipFill>
+        <p:spPr>
+          <a:xfrm>
+            <a:off x="3521966" y="2979670"/>
+            <a:ext cx="1164361" cy="1164361"/>
+          </a:xfrm>
+          <a:prstGeom prst="rect">
+            <a:avLst/>
+          </a:prstGeom>
+        </p:spPr>
+      </p:pic>
+      <p:pic>
+        <p:nvPicPr>
+          <p:cNvPr id="9" name="Picture 8"/>
+          <p:cNvPicPr>
+            <a:picLocks noChangeAspect="1"/>
+          </p:cNvPicPr>
+          <p:nvPr/>
+        </p:nvPicPr>
+        <p:blipFill>
+          <a:blip r:embed="rId3"/>
+          <a:stretch>
+            <a:fillRect/>
+          </a:stretch>
+        </p:blipFill>
+        <p:spPr>
+          <a:xfrm>
+            <a:off x="6034418" y="2987533"/>
+            <a:ext cx="1502860" cy="1156498"/>
+          </a:xfrm>
+          <a:prstGeom prst="rect">
+            <a:avLst/>
+          </a:prstGeom>
+        </p:spPr>
+      </p:pic>
+      <p:pic>
+        <p:nvPicPr>
+          <p:cNvPr id="10" name="Picture 9"/>
+          <p:cNvPicPr>
+            <a:picLocks noChangeAspect="1"/>
+          </p:cNvPicPr>
+          <p:nvPr/>
+        </p:nvPicPr>
+        <p:blipFill>
+          <a:blip r:embed="rId2"/>
+          <a:stretch>
+            <a:fillRect/>
+          </a:stretch>
+        </p:blipFill>
+        <p:spPr>
+          <a:xfrm>
+            <a:off x="3521966" y="4541702"/>
+            <a:ext cx="1164361" cy="1164361"/>
+          </a:xfrm>
+          <a:prstGeom prst="rect">
+            <a:avLst/>
+          </a:prstGeom>
+        </p:spPr>
+      </p:pic>
+      <p:pic>
+        <p:nvPicPr>
+          <p:cNvPr id="11" name="Picture 10"/>
+          <p:cNvPicPr>
+            <a:picLocks noChangeAspect="1"/>
+          </p:cNvPicPr>
+          <p:nvPr/>
+        </p:nvPicPr>
+        <p:blipFill>
+          <a:blip r:embed="rId3"/>
+          <a:stretch>
+            <a:fillRect/>
+          </a:stretch>
+        </p:blipFill>
+        <p:spPr>
+          <a:xfrm>
+            <a:off x="6034418" y="4549565"/>
+            <a:ext cx="1502860" cy="1156498"/>
+          </a:xfrm>
+          <a:prstGeom prst="rect">
+            <a:avLst/>
+          </a:prstGeom>
+        </p:spPr>
+      </p:pic>
+      <p:cxnSp>
+        <p:nvCxnSpPr>
+          <p:cNvPr id="13" name="Straight Arrow Connector 12"/>
+          <p:cNvCxnSpPr>
+            <a:stCxn id="4" idx="3"/>
+            <a:endCxn id="7" idx="1"/>
+          </p:cNvCxnSpPr>
+          <p:nvPr/>
+        </p:nvCxnSpPr>
+        <p:spPr>
+          <a:xfrm>
+            <a:off x="4686327" y="1999819"/>
+            <a:ext cx="1348091" cy="3931"/>
+          </a:xfrm>
+          <a:prstGeom prst="straightConnector1">
+            <a:avLst/>
+          </a:prstGeom>
+          <a:ln>
+            <a:tailEnd type="arrow"/>
+          </a:ln>
+        </p:spPr>
+        <p:style>
+          <a:lnRef idx="2">
+            <a:schemeClr val="accent1"/>
+          </a:lnRef>
+          <a:fillRef idx="0">
+            <a:schemeClr val="accent1"/>
+          </a:fillRef>
+          <a:effectRef idx="1">
+            <a:schemeClr val="accent1"/>
+          </a:effectRef>
+          <a:fontRef idx="minor">
+            <a:schemeClr val="tx1"/>
+          </a:fontRef>
+        </p:style>
+      </p:cxnSp>
+      <p:cxnSp>
+        <p:nvCxnSpPr>
+          <p:cNvPr id="14" name="Straight Arrow Connector 13"/>
+          <p:cNvCxnSpPr/>
+          <p:nvPr/>
+        </p:nvCxnSpPr>
+        <p:spPr>
+          <a:xfrm>
+            <a:off x="4686327" y="3617679"/>
+            <a:ext cx="1348091" cy="3931"/>
+          </a:xfrm>
+          <a:prstGeom prst="straightConnector1">
+            <a:avLst/>
+          </a:prstGeom>
+          <a:ln>
+            <a:tailEnd type="arrow"/>
+          </a:ln>
+        </p:spPr>
+        <p:style>
+          <a:lnRef idx="2">
+            <a:schemeClr val="accent1"/>
+          </a:lnRef>
+          <a:fillRef idx="0">
+            <a:schemeClr val="accent1"/>
+          </a:fillRef>
+          <a:effectRef idx="1">
+            <a:schemeClr val="accent1"/>
+          </a:effectRef>
+          <a:fontRef idx="minor">
+            <a:schemeClr val="tx1"/>
+          </a:fontRef>
+        </p:style>
+      </p:cxnSp>
+      <p:cxnSp>
+        <p:nvCxnSpPr>
+          <p:cNvPr id="15" name="Straight Arrow Connector 14"/>
+          <p:cNvCxnSpPr/>
+          <p:nvPr/>
+        </p:nvCxnSpPr>
+        <p:spPr>
+          <a:xfrm>
+            <a:off x="4686327" y="5109928"/>
+            <a:ext cx="1348091" cy="3931"/>
+          </a:xfrm>
+          <a:prstGeom prst="straightConnector1">
+            <a:avLst/>
+          </a:prstGeom>
+          <a:ln>
+            <a:tailEnd type="arrow"/>
+          </a:ln>
+        </p:spPr>
+        <p:style>
+          <a:lnRef idx="2">
+            <a:schemeClr val="accent1"/>
+          </a:lnRef>
+          <a:fillRef idx="0">
+            <a:schemeClr val="accent1"/>
+          </a:fillRef>
+          <a:effectRef idx="1">
+            <a:schemeClr val="accent1"/>
+          </a:effectRef>
+          <a:fontRef idx="minor">
+            <a:schemeClr val="tx1"/>
+          </a:fontRef>
+        </p:style>
+      </p:cxnSp>
+      <p:pic>
+        <p:nvPicPr>
+          <p:cNvPr id="16" name="Picture 15"/>
+          <p:cNvPicPr>
+            <a:picLocks noChangeAspect="1"/>
+          </p:cNvPicPr>
+          <p:nvPr/>
+        </p:nvPicPr>
+        <p:blipFill>
+          <a:blip r:embed="rId2"/>
+          <a:stretch>
+            <a:fillRect/>
+          </a:stretch>
+        </p:blipFill>
+        <p:spPr>
+          <a:xfrm>
+            <a:off x="1148515" y="2979670"/>
+            <a:ext cx="1164361" cy="1164361"/>
+          </a:xfrm>
+          <a:prstGeom prst="rect">
+            <a:avLst/>
+          </a:prstGeom>
+        </p:spPr>
+      </p:pic>
+      <p:cxnSp>
+        <p:nvCxnSpPr>
+          <p:cNvPr id="18" name="Elbow Connector 17"/>
+          <p:cNvCxnSpPr>
+            <a:stCxn id="16" idx="3"/>
+            <a:endCxn id="4" idx="1"/>
+          </p:cNvCxnSpPr>
+          <p:nvPr/>
+        </p:nvCxnSpPr>
+        <p:spPr>
+          <a:xfrm flipV="1">
+            <a:off x="2312876" y="1999819"/>
+            <a:ext cx="1209090" cy="1562032"/>
+          </a:xfrm>
+          <a:prstGeom prst="bentConnector3">
+            <a:avLst/>
+          </a:prstGeom>
+          <a:ln>
+            <a:tailEnd type="arrow"/>
+          </a:ln>
+        </p:spPr>
+        <p:style>
+          <a:lnRef idx="2">
+            <a:schemeClr val="accent1"/>
+          </a:lnRef>
+          <a:fillRef idx="0">
+            <a:schemeClr val="accent1"/>
+          </a:fillRef>
+          <a:effectRef idx="1">
+            <a:schemeClr val="accent1"/>
+          </a:effectRef>
+          <a:fontRef idx="minor">
+            <a:schemeClr val="tx1"/>
+          </a:fontRef>
+        </p:style>
+      </p:cxnSp>
+      <p:cxnSp>
+        <p:nvCxnSpPr>
+          <p:cNvPr id="19" name="Elbow Connector 18"/>
+          <p:cNvCxnSpPr>
+            <a:stCxn id="16" idx="3"/>
+            <a:endCxn id="8" idx="1"/>
+          </p:cNvCxnSpPr>
+          <p:nvPr/>
+        </p:nvCxnSpPr>
+        <p:spPr>
+          <a:xfrm>
+            <a:off x="2312876" y="3561851"/>
+            <a:ext cx="1209090" cy="12700"/>
+          </a:xfrm>
+          <a:prstGeom prst="bentConnector3">
+            <a:avLst>
+              <a:gd name="adj1" fmla="val 50000"/>
+            </a:avLst>
+          </a:prstGeom>
+          <a:ln>
+            <a:tailEnd type="arrow"/>
+          </a:ln>
+        </p:spPr>
+        <p:style>
+          <a:lnRef idx="2">
+            <a:schemeClr val="accent1"/>
+          </a:lnRef>
+          <a:fillRef idx="0">
+            <a:schemeClr val="accent1"/>
+          </a:fillRef>
+          <a:effectRef idx="1">
+            <a:schemeClr val="accent1"/>
+          </a:effectRef>
+          <a:fontRef idx="minor">
+            <a:schemeClr val="tx1"/>
+          </a:fontRef>
+        </p:style>
+      </p:cxnSp>
+      <p:cxnSp>
+        <p:nvCxnSpPr>
+          <p:cNvPr id="22" name="Elbow Connector 21"/>
+          <p:cNvCxnSpPr>
+            <a:stCxn id="16" idx="3"/>
+            <a:endCxn id="10" idx="1"/>
+          </p:cNvCxnSpPr>
+          <p:nvPr/>
+        </p:nvCxnSpPr>
+        <p:spPr>
+          <a:xfrm>
+            <a:off x="2312876" y="3561851"/>
+            <a:ext cx="1209090" cy="1562032"/>
+          </a:xfrm>
+          <a:prstGeom prst="bentConnector3">
+            <a:avLst>
+              <a:gd name="adj1" fmla="val 50000"/>
+            </a:avLst>
+          </a:prstGeom>
+          <a:ln>
+            <a:tailEnd type="arrow"/>
+          </a:ln>
+        </p:spPr>
+        <p:style>
+          <a:lnRef idx="2">
+            <a:schemeClr val="accent1"/>
+          </a:lnRef>
+          <a:fillRef idx="0">
+            <a:schemeClr val="accent1"/>
+          </a:fillRef>
+          <a:effectRef idx="1">
+            <a:schemeClr val="accent1"/>
+          </a:effectRef>
+          <a:fontRef idx="minor">
+            <a:schemeClr val="tx1"/>
+          </a:fontRef>
+        </p:style>
+      </p:cxnSp>
+      <p:sp>
+        <p:nvSpPr>
+          <p:cNvPr id="30" name="TextBox 29"/>
+          <p:cNvSpPr txBox="1"/>
+          <p:nvPr/>
+        </p:nvSpPr>
+        <p:spPr>
+          <a:xfrm>
+            <a:off x="995010" y="4197755"/>
+            <a:ext cx="1501358" cy="369332"/>
+          </a:xfrm>
+          <a:prstGeom prst="rect">
+            <a:avLst/>
+          </a:prstGeom>
+          <a:noFill/>
+        </p:spPr>
+        <p:txBody>
+          <a:bodyPr wrap="none" rtlCol="0">
+            <a:spAutoFit/>
+          </a:bodyPr>
+          <a:lstStyle/>
+          <a:p>
+            <a:r>
+              <a:rPr lang="en-US" dirty="0"/>
+              <a:t>Load Balancer</a:t>
+            </a:r>
+          </a:p>
+        </p:txBody>
+      </p:sp>
+      <p:sp>
+        <p:nvSpPr>
+          <p:cNvPr id="31" name="TextBox 30"/>
+          <p:cNvSpPr txBox="1"/>
+          <p:nvPr/>
+        </p:nvSpPr>
+        <p:spPr>
+          <a:xfrm>
+            <a:off x="3787859" y="2577647"/>
+            <a:ext cx="787395" cy="369332"/>
+          </a:xfrm>
+          <a:prstGeom prst="rect">
+            <a:avLst/>
+          </a:prstGeom>
+          <a:noFill/>
+        </p:spPr>
+        <p:txBody>
+          <a:bodyPr wrap="none" rtlCol="0">
+            <a:spAutoFit/>
+          </a:bodyPr>
+          <a:lstStyle/>
+          <a:p>
+            <a:r>
+              <a:rPr lang="en-US" dirty="0"/>
+              <a:t>Server</a:t>
+            </a:r>
+          </a:p>
+        </p:txBody>
+      </p:sp>
+      <p:sp>
+        <p:nvSpPr>
+          <p:cNvPr id="32" name="TextBox 31"/>
+          <p:cNvSpPr txBox="1"/>
+          <p:nvPr/>
+        </p:nvSpPr>
+        <p:spPr>
+          <a:xfrm>
+            <a:off x="6399293" y="2577647"/>
+            <a:ext cx="574872" cy="369332"/>
+          </a:xfrm>
+          <a:prstGeom prst="rect">
+            <a:avLst/>
+          </a:prstGeom>
+          <a:noFill/>
+        </p:spPr>
+        <p:txBody>
+          <a:bodyPr wrap="none" rtlCol="0">
+            <a:spAutoFit/>
+          </a:bodyPr>
+          <a:lstStyle/>
+          <a:p>
+            <a:r>
+              <a:rPr lang="en-US" dirty="0"/>
+              <a:t>Disk</a:t>
+            </a:r>
+          </a:p>
+        </p:txBody>
+      </p:sp>
+      <p:sp>
+        <p:nvSpPr>
+          <p:cNvPr id="35" name="TextBox 34"/>
+          <p:cNvSpPr txBox="1"/>
+          <p:nvPr/>
+        </p:nvSpPr>
+        <p:spPr>
+          <a:xfrm>
+            <a:off x="3785880" y="4144031"/>
+            <a:ext cx="787395" cy="369332"/>
+          </a:xfrm>
+          <a:prstGeom prst="rect">
+            <a:avLst/>
+          </a:prstGeom>
+          <a:noFill/>
+        </p:spPr>
+        <p:txBody>
+          <a:bodyPr wrap="none" rtlCol="0">
+            <a:spAutoFit/>
+          </a:bodyPr>
+          <a:lstStyle/>
+          <a:p>
+            <a:r>
+              <a:rPr lang="en-US" dirty="0"/>
+              <a:t>Server</a:t>
+            </a:r>
+          </a:p>
+        </p:txBody>
+      </p:sp>
+      <p:sp>
+        <p:nvSpPr>
+          <p:cNvPr id="36" name="TextBox 35"/>
+          <p:cNvSpPr txBox="1"/>
+          <p:nvPr/>
+        </p:nvSpPr>
+        <p:spPr>
+          <a:xfrm>
+            <a:off x="6397314" y="4144031"/>
+            <a:ext cx="574872" cy="369332"/>
+          </a:xfrm>
+          <a:prstGeom prst="rect">
+            <a:avLst/>
+          </a:prstGeom>
+          <a:noFill/>
+        </p:spPr>
+        <p:txBody>
+          <a:bodyPr wrap="none" rtlCol="0">
+            <a:spAutoFit/>
+          </a:bodyPr>
+          <a:lstStyle/>
+          <a:p>
+            <a:r>
+              <a:rPr lang="en-US" dirty="0"/>
+              <a:t>Disk</a:t>
+            </a:r>
+          </a:p>
+        </p:txBody>
+      </p:sp>
+      <p:sp>
+        <p:nvSpPr>
+          <p:cNvPr id="37" name="TextBox 36"/>
+          <p:cNvSpPr txBox="1"/>
+          <p:nvPr/>
+        </p:nvSpPr>
+        <p:spPr>
+          <a:xfrm>
+            <a:off x="3783901" y="5710415"/>
+            <a:ext cx="787395" cy="369332"/>
+          </a:xfrm>
+          <a:prstGeom prst="rect">
+            <a:avLst/>
+          </a:prstGeom>
+          <a:noFill/>
+        </p:spPr>
+        <p:txBody>
+          <a:bodyPr wrap="none" rtlCol="0">
+            <a:spAutoFit/>
+          </a:bodyPr>
+          <a:lstStyle/>
+          <a:p>
+            <a:r>
+              <a:rPr lang="en-US" dirty="0"/>
+              <a:t>Server</a:t>
+            </a:r>
+          </a:p>
+        </p:txBody>
+      </p:sp>
+      <p:sp>
+        <p:nvSpPr>
+          <p:cNvPr id="38" name="TextBox 37"/>
+          <p:cNvSpPr txBox="1"/>
+          <p:nvPr/>
+        </p:nvSpPr>
+        <p:spPr>
+          <a:xfrm>
+            <a:off x="6395335" y="5710415"/>
+            <a:ext cx="574872" cy="369332"/>
+          </a:xfrm>
+          <a:prstGeom prst="rect">
+            <a:avLst/>
+          </a:prstGeom>
+          <a:noFill/>
+        </p:spPr>
+        <p:txBody>
+          <a:bodyPr wrap="none" rtlCol="0">
+            <a:spAutoFit/>
+          </a:bodyPr>
+          <a:lstStyle/>
+          <a:p>
+            <a:r>
+              <a:rPr lang="en-US" dirty="0"/>
+              <a:t>Disk</a:t>
+            </a:r>
+          </a:p>
+        </p:txBody>
+      </p:sp>
     </p:spTree>
     <p:extLst>
       <p:ext uri="{BB962C8B-B14F-4D97-AF65-F5344CB8AC3E}">
-        <p14:creationId xmlns:p14="http://schemas.microsoft.com/office/powerpoint/2010/main" val="529412936"/>
+        <p14:creationId xmlns:p14="http://schemas.microsoft.com/office/powerpoint/2010/main" val="3424776501"/>
       </p:ext>
     </p:extLst>
   </p:cSld>
@@ -6499,39 +6565,76 @@
           <a:p>
             <a:r>
               <a:rPr lang="en-US" dirty="0"/>
-              <a:t>Same systems, new diagram</a:t>
-            </a:r>
-          </a:p>
-        </p:txBody>
-      </p:sp>
-      <p:pic>
-        <p:nvPicPr>
-          <p:cNvPr id="5" name="Picture 4"/>
-          <p:cNvPicPr>
-            <a:picLocks noChangeAspect="1"/>
-          </p:cNvPicPr>
-          <p:nvPr/>
-        </p:nvPicPr>
-        <p:blipFill>
-          <a:blip r:embed="rId3"/>
-          <a:stretch>
-            <a:fillRect/>
-          </a:stretch>
-        </p:blipFill>
-        <p:spPr>
-          <a:xfrm>
-            <a:off x="2095500" y="1358900"/>
-            <a:ext cx="4953000" cy="4127500"/>
-          </a:xfrm>
-          <a:prstGeom prst="rect">
-            <a:avLst/>
-          </a:prstGeom>
-        </p:spPr>
-      </p:pic>
+              <a:t>Shared Nothing Architecture</a:t>
+            </a:r>
+          </a:p>
+        </p:txBody>
+      </p:sp>
+      <p:sp>
+        <p:nvSpPr>
+          <p:cNvPr id="3" name="Content Placeholder 2"/>
+          <p:cNvSpPr>
+            <a:spLocks noGrp="1"/>
+          </p:cNvSpPr>
+          <p:nvPr>
+            <p:ph idx="1"/>
+          </p:nvPr>
+        </p:nvSpPr>
+        <p:spPr/>
+        <p:txBody>
+          <a:bodyPr/>
+          <a:lstStyle/>
+          <a:p>
+            <a:r>
+              <a:rPr lang="en-US" dirty="0"/>
+              <a:t>Implies there is no serial part to the computation</a:t>
+            </a:r>
+          </a:p>
+          <a:p>
+            <a:r>
+              <a:rPr lang="en-US" dirty="0"/>
+              <a:t>Karp-</a:t>
+            </a:r>
+            <a:r>
+              <a:rPr lang="en-US" dirty="0" err="1"/>
+              <a:t>Flatt</a:t>
+            </a:r>
+            <a:r>
+              <a:rPr lang="en-US" dirty="0"/>
+              <a:t> Metric of 0 </a:t>
+            </a:r>
+          </a:p>
+          <a:p>
+            <a:pPr lvl="1"/>
+            <a:r>
+              <a:rPr lang="en-US" dirty="0"/>
+              <a:t>Assuming 100% efficient load balancing</a:t>
+            </a:r>
+          </a:p>
+          <a:p>
+            <a:r>
+              <a:rPr lang="en-US" dirty="0"/>
+              <a:t>In practice, this is difficult!</a:t>
+            </a:r>
+          </a:p>
+          <a:p>
+            <a:pPr marL="457200" lvl="1" indent="0">
+              <a:buNone/>
+            </a:pPr>
+            <a:endParaRPr lang="en-US" dirty="0"/>
+          </a:p>
+          <a:p>
+            <a:pPr marL="457200" lvl="1" indent="0">
+              <a:buNone/>
+            </a:pPr>
+            <a:endParaRPr lang="en-US" dirty="0"/>
+          </a:p>
+        </p:txBody>
+      </p:sp>
     </p:spTree>
     <p:extLst>
       <p:ext uri="{BB962C8B-B14F-4D97-AF65-F5344CB8AC3E}">
-        <p14:creationId xmlns:p14="http://schemas.microsoft.com/office/powerpoint/2010/main" val="2561551645"/>
+        <p14:creationId xmlns:p14="http://schemas.microsoft.com/office/powerpoint/2010/main" val="2221130247"/>
       </p:ext>
     </p:extLst>
   </p:cSld>
@@ -6812,14 +6915,14 @@
           <a:noFill/>
           <a:extLst>
             <a:ext uri="{909E8E84-426E-40dd-AFC4-6F175D3DCCD1}">
-              <a14:hiddenFill xmlns="" xmlns:a14="http://schemas.microsoft.com/office/drawing/2010/main">
+              <a14:hiddenFill xmlns:a14="http://schemas.microsoft.com/office/drawing/2010/main" xmlns="">
                 <a:solidFill>
                   <a:srgbClr val="FFFFFF"/>
                 </a:solidFill>
               </a14:hiddenFill>
             </a:ext>
             <a:ext uri="{91240B29-F687-4f45-9708-019B960494DF}">
-              <a14:hiddenLine xmlns="" xmlns:a14="http://schemas.microsoft.com/office/drawing/2010/main" w="9525">
+              <a14:hiddenLine xmlns:a14="http://schemas.microsoft.com/office/drawing/2010/main" xmlns="" w="9525">
                 <a:solidFill>
                   <a:srgbClr val="000000"/>
                 </a:solidFill>
@@ -6867,14 +6970,14 @@
           <a:noFill/>
           <a:extLst>
             <a:ext uri="{909E8E84-426E-40dd-AFC4-6F175D3DCCD1}">
-              <a14:hiddenFill xmlns="" xmlns:a14="http://schemas.microsoft.com/office/drawing/2010/main">
+              <a14:hiddenFill xmlns:a14="http://schemas.microsoft.com/office/drawing/2010/main" xmlns="">
                 <a:solidFill>
                   <a:srgbClr val="FFFFFF"/>
                 </a:solidFill>
               </a14:hiddenFill>
             </a:ext>
             <a:ext uri="{91240B29-F687-4f45-9708-019B960494DF}">
-              <a14:hiddenLine xmlns="" xmlns:a14="http://schemas.microsoft.com/office/drawing/2010/main" w="9525">
+              <a14:hiddenLine xmlns:a14="http://schemas.microsoft.com/office/drawing/2010/main" xmlns="" w="9525">
                 <a:solidFill>
                   <a:srgbClr val="000000"/>
                 </a:solidFill>
@@ -9030,7 +9133,7 @@
         <p:spPr>
           <a:xfrm>
             <a:off x="584003" y="4792474"/>
-            <a:ext cx="8341346" cy="1200329"/>
+            <a:ext cx="8229600" cy="1200329"/>
           </a:xfrm>
           <a:prstGeom prst="rect">
             <a:avLst/>
@@ -9038,7 +9141,7 @@
           <a:noFill/>
         </p:spPr>
         <p:txBody>
-          <a:bodyPr wrap="none" rtlCol="0">
+          <a:bodyPr wrap="square" rtlCol="0">
             <a:spAutoFit/>
           </a:bodyPr>
           <a:lstStyle/>
@@ -9053,7 +9156,23 @@
             </a:r>
             <a:r>
               <a:rPr lang="en-US" dirty="0"/>
-              <a:t>update one node (give up on C), </a:t>
+              <a:t>update one node (give up on </a:t>
+            </a:r>
+            <a:r>
+              <a:rPr lang="en-US" dirty="0" err="1">
+                <a:solidFill>
+                  <a:srgbClr val="FF0000"/>
+                </a:solidFill>
+              </a:rPr>
+              <a:t>C</a:t>
+            </a:r>
+            <a:r>
+              <a:rPr lang="en-US" dirty="0" err="1"/>
+              <a:t>onsistencey</a:t>
+            </a:r>
+            <a:r>
+              <a:rPr lang="en-US" dirty="0"/>
+              <a:t>), </a:t>
             </a:r>
             <a:r>
               <a:rPr lang="en-US" b="1" dirty="0"/>
@@ -9061,14 +9180,19 @@
             </a:r>
             <a:r>
               <a:rPr lang="en-US" dirty="0"/>
-              <a:t>make one </a:t>
-            </a:r>
-            <a:br>
-              <a:rPr lang="en-US" dirty="0"/>
-            </a:br>
-            <a:r>
-              <a:rPr lang="en-US" dirty="0"/>
-              <a:t>node unavailable (give up on A). </a:t>
+              <a:t>make one node unavailable (give up on </a:t>
+            </a:r>
+            <a:r>
+              <a:rPr lang="en-US" dirty="0">
+                <a:solidFill>
+                  <a:srgbClr val="FF0000"/>
+                </a:solidFill>
+              </a:rPr>
+              <a:t>A</a:t>
+            </a:r>
+            <a:r>
+              <a:rPr lang="en-US" dirty="0"/>
+              <a:t>vailability). </a:t>
             </a:r>
             <a:br>
               <a:rPr lang="en-US" dirty="0"/>
@@ -9078,7 +9202,43 @@
             </a:br>
             <a:r>
               <a:rPr lang="en-US" dirty="0"/>
-              <a:t>If you want C and A you can’t allow a Partition. </a:t>
+              <a:t>If you want </a:t>
+            </a:r>
+            <a:r>
+              <a:rPr lang="en-US" dirty="0">
+                <a:solidFill>
+                  <a:srgbClr val="FF0000"/>
+                </a:solidFill>
+              </a:rPr>
+              <a:t>C</a:t>
+            </a:r>
+            <a:r>
+              <a:rPr lang="en-US" dirty="0"/>
+              <a:t> and </a:t>
+            </a:r>
+            <a:r>
+              <a:rPr lang="en-US" dirty="0">
+                <a:solidFill>
+                  <a:srgbClr val="FF0000"/>
+                </a:solidFill>
+              </a:rPr>
+              <a:t>A</a:t>
+            </a:r>
+            <a:r>
+              <a:rPr lang="en-US" dirty="0"/>
+              <a:t> you can’t allow a </a:t>
+            </a:r>
+            <a:r>
+              <a:rPr lang="en-US" dirty="0">
+                <a:solidFill>
+                  <a:srgbClr val="FF0000"/>
+                </a:solidFill>
+              </a:rPr>
+              <a:t>P</a:t>
+            </a:r>
+            <a:r>
+              <a:rPr lang="en-US" dirty="0"/>
+              <a:t>artition. </a:t>
             </a:r>
           </a:p>
         </p:txBody>
@@ -9543,7 +9703,7 @@
             <a:pPr lvl="1"/>
             <a:r>
               <a:rPr lang="en-US" dirty="0"/>
-              <a:t>combating </a:t>
+              <a:t>combatting </a:t>
             </a:r>
             <a:r>
               <a:rPr lang="en-US" i="1" dirty="0"/>
@@ -9567,7 +9727,7 @@
             <a:pPr lvl="1"/>
             <a:r>
               <a:rPr lang="en-US" dirty="0"/>
-              <a:t>combating </a:t>
+              <a:t>combatting </a:t>
             </a:r>
             <a:r>
               <a:rPr lang="en-US" i="1" dirty="0"/>
@@ -9790,14 +9950,14 @@
             <a:pPr lvl="2"/>
             <a:r>
               <a:rPr lang="en-US" dirty="0"/>
-              <a:t>Choose an “easy quorum” for guaranteed low latency</a:t>
+              <a:t>Choose an “easy quorum” for guaranteed low latency / high availability (but low consistency)</a:t>
             </a:r>
           </a:p>
           <a:p>
             <a:pPr lvl="2"/>
             <a:r>
               <a:rPr lang="en-US" dirty="0"/>
-              <a:t>Choose a “hard quorum” for higher potential latency</a:t>
+              <a:t>Choose a “hard quorum” for high consistency but higher potential latency / lower availability</a:t>
             </a:r>
           </a:p>
         </p:txBody>
@@ -9816,7 +9976,7 @@
 </file>
 
 <file path=ppt/slides/slide32.xml><?xml version="1.0" encoding="utf-8"?>
-<p:sld xmlns:a="http://schemas.openxmlformats.org/drawingml/2006/main" xmlns:r="http://schemas.openxmlformats.org/officeDocument/2006/relationships" xmlns:p="http://schemas.openxmlformats.org/presentationml/2006/main" show="0">
+<p:sld xmlns:a="http://schemas.openxmlformats.org/drawingml/2006/main" xmlns:r="http://schemas.openxmlformats.org/officeDocument/2006/relationships" xmlns:p="http://schemas.openxmlformats.org/presentationml/2006/main">
   <p:cSld>
     <p:spTree>
       <p:nvGrpSpPr>
@@ -10603,16 +10763,7 @@
             <a:pPr lvl="1"/>
             <a:r>
               <a:rPr lang="en-US" dirty="0"/>
-              <a:t>Serial </a:t>
-            </a:r>
-          </a:p>
-          <a:p>
-            <a:pPr marL="457200" lvl="1" indent="0">
-              <a:buNone/>
-            </a:pPr>
-            <a:r>
-              <a:rPr lang="en-US" dirty="0"/>
-              <a:t>	parts</a:t>
+              <a:t>Serial parts</a:t>
             </a:r>
           </a:p>
           <a:p>
